--- a/Presentation.pptx
+++ b/Presentation.pptx
@@ -6,7 +6,11 @@
   </p:sldMasterIdLst>
   <p:sldIdLst>
     <p:sldId id="256" r:id="rId2"/>
-    <p:sldId id="257" r:id="rId3"/>
+    <p:sldId id="258" r:id="rId3"/>
+    <p:sldId id="261" r:id="rId4"/>
+    <p:sldId id="259" r:id="rId5"/>
+    <p:sldId id="257" r:id="rId6"/>
+    <p:sldId id="260" r:id="rId7"/>
   </p:sldIdLst>
   <p:sldSz cx="12192000" cy="6858000"/>
   <p:notesSz cx="6858000" cy="9144000"/>
@@ -3423,6 +3427,407 @@
           <a:chExt cx="0" cy="0"/>
         </a:xfrm>
       </p:grpSpPr>
+      <p:sp>
+        <p:nvSpPr>
+          <p:cNvPr id="2" name="Title 1">
+            <a:extLst>
+              <a:ext uri="{FF2B5EF4-FFF2-40B4-BE49-F238E27FC236}">
+                <a16:creationId xmlns:a16="http://schemas.microsoft.com/office/drawing/2014/main" id="{80F3F39A-F711-46F3-8170-4917E556AF6C}"/>
+              </a:ext>
+            </a:extLst>
+          </p:cNvPr>
+          <p:cNvSpPr>
+            <a:spLocks noGrp="1"/>
+          </p:cNvSpPr>
+          <p:nvPr>
+            <p:ph type="title"/>
+          </p:nvPr>
+        </p:nvSpPr>
+        <p:spPr>
+          <a:xfrm>
+            <a:off x="838200" y="1469082"/>
+            <a:ext cx="10515600" cy="3433117"/>
+          </a:xfrm>
+        </p:spPr>
+        <p:txBody>
+          <a:bodyPr>
+            <a:normAutofit fontScale="90000"/>
+          </a:bodyPr>
+          <a:lstStyle/>
+          <a:p>
+            <a:r>
+              <a:rPr lang="en-US" dirty="0" err="1"/>
+              <a:t>OpenCelliD</a:t>
+            </a:r>
+            <a:r>
+              <a:rPr lang="en-US" dirty="0"/>
+              <a:t> is </a:t>
+            </a:r>
+            <a:r>
+              <a:rPr lang="en-US" dirty="0" err="1"/>
+              <a:t>BigData</a:t>
+            </a:r>
+            <a:r>
+              <a:rPr lang="en-US" dirty="0"/>
+              <a:t> collection of Cell Towers and </a:t>
+            </a:r>
+            <a:r>
+              <a:rPr lang="en-US" dirty="0" err="1"/>
+              <a:t>WiFi</a:t>
+            </a:r>
+            <a:r>
+              <a:rPr lang="en-US" dirty="0"/>
+              <a:t> Aps.</a:t>
+            </a:r>
+            <a:br>
+              <a:rPr lang="en-US" dirty="0"/>
+            </a:br>
+            <a:br>
+              <a:rPr lang="en-US" dirty="0"/>
+            </a:br>
+            <a:r>
+              <a:rPr lang="en-US" dirty="0"/>
+              <a:t>This database is built by the community and is free available for download.</a:t>
+            </a:r>
+            <a:br>
+              <a:rPr lang="en-US" dirty="0"/>
+            </a:br>
+            <a:br>
+              <a:rPr lang="en-US" dirty="0"/>
+            </a:br>
+            <a:r>
+              <a:rPr lang="en-US" dirty="0"/>
+              <a:t>The row count is 39,374,666 The size is 3.12 GB, </a:t>
+            </a:r>
+            <a:r>
+              <a:rPr lang="en-US" i="1" dirty="0">
+                <a:effectLst/>
+              </a:rPr>
+              <a:t>Last updated on : 2018-02-14</a:t>
+            </a:r>
+            <a:r>
+              <a:rPr lang="en-US" dirty="0"/>
+              <a:t> </a:t>
+            </a:r>
+            <a:endParaRPr lang="ar-SA" dirty="0"/>
+          </a:p>
+        </p:txBody>
+      </p:sp>
+    </p:spTree>
+    <p:extLst>
+      <p:ext uri="{BB962C8B-B14F-4D97-AF65-F5344CB8AC3E}">
+        <p14:creationId xmlns:p14="http://schemas.microsoft.com/office/powerpoint/2010/main" val="3664389581"/>
+      </p:ext>
+    </p:extLst>
+  </p:cSld>
+  <p:clrMapOvr>
+    <a:masterClrMapping/>
+  </p:clrMapOvr>
+</p:sld>
+</file>
+
+<file path=ppt/slides/slide3.xml><?xml version="1.0" encoding="utf-8"?>
+<p:sld xmlns:a="http://schemas.openxmlformats.org/drawingml/2006/main" xmlns:r="http://schemas.openxmlformats.org/officeDocument/2006/relationships" xmlns:p="http://schemas.openxmlformats.org/presentationml/2006/main">
+  <p:cSld>
+    <p:spTree>
+      <p:nvGrpSpPr>
+        <p:cNvPr id="1" name=""/>
+        <p:cNvGrpSpPr/>
+        <p:nvPr/>
+      </p:nvGrpSpPr>
+      <p:grpSpPr>
+        <a:xfrm>
+          <a:off x="0" y="0"/>
+          <a:ext cx="0" cy="0"/>
+          <a:chOff x="0" y="0"/>
+          <a:chExt cx="0" cy="0"/>
+        </a:xfrm>
+      </p:grpSpPr>
+      <p:sp>
+        <p:nvSpPr>
+          <p:cNvPr id="2" name="Title 1">
+            <a:extLst>
+              <a:ext uri="{FF2B5EF4-FFF2-40B4-BE49-F238E27FC236}">
+                <a16:creationId xmlns:a16="http://schemas.microsoft.com/office/drawing/2014/main" id="{D7FDCAE8-A490-41D0-A8DF-94F78BC4525A}"/>
+              </a:ext>
+            </a:extLst>
+          </p:cNvPr>
+          <p:cNvSpPr>
+            <a:spLocks noGrp="1"/>
+          </p:cNvSpPr>
+          <p:nvPr>
+            <p:ph type="title"/>
+          </p:nvPr>
+        </p:nvSpPr>
+        <p:spPr/>
+        <p:txBody>
+          <a:bodyPr/>
+          <a:lstStyle/>
+          <a:p>
+            <a:r>
+              <a:rPr lang="en-US" b="1" dirty="0"/>
+              <a:t>Remove Duplicates</a:t>
+            </a:r>
+            <a:endParaRPr lang="ar-SA" b="1" dirty="0"/>
+          </a:p>
+        </p:txBody>
+      </p:sp>
+      <p:sp>
+        <p:nvSpPr>
+          <p:cNvPr id="3" name="Content Placeholder 2">
+            <a:extLst>
+              <a:ext uri="{FF2B5EF4-FFF2-40B4-BE49-F238E27FC236}">
+                <a16:creationId xmlns:a16="http://schemas.microsoft.com/office/drawing/2014/main" id="{718029DC-0E1F-4204-A93F-FC4D8863C124}"/>
+              </a:ext>
+            </a:extLst>
+          </p:cNvPr>
+          <p:cNvSpPr>
+            <a:spLocks noGrp="1"/>
+          </p:cNvSpPr>
+          <p:nvPr>
+            <p:ph idx="1"/>
+          </p:nvPr>
+        </p:nvSpPr>
+        <p:spPr/>
+        <p:txBody>
+          <a:bodyPr>
+            <a:normAutofit lnSpcReduction="10000"/>
+          </a:bodyPr>
+          <a:lstStyle/>
+          <a:p>
+            <a:r>
+              <a:rPr lang="en-US" dirty="0"/>
+              <a:t>SELECT [radio],[mcc],[net],[area],[cell],[unit],[</a:t>
+            </a:r>
+            <a:r>
+              <a:rPr lang="en-US" dirty="0" err="1"/>
+              <a:t>lon</a:t>
+            </a:r>
+            <a:r>
+              <a:rPr lang="en-US" dirty="0"/>
+              <a:t>],[</a:t>
+            </a:r>
+            <a:r>
+              <a:rPr lang="en-US" dirty="0" err="1"/>
+              <a:t>lat</a:t>
+            </a:r>
+            <a:r>
+              <a:rPr lang="en-US" dirty="0"/>
+              <a:t>],[range],[samples],[changeable],[created],[updated],[</a:t>
+            </a:r>
+            <a:r>
+              <a:rPr lang="en-US" dirty="0" err="1"/>
+              <a:t>averageSignal</a:t>
+            </a:r>
+            <a:r>
+              <a:rPr lang="en-US" dirty="0"/>
+              <a:t>]</a:t>
+            </a:r>
+          </a:p>
+          <a:p>
+            <a:r>
+              <a:rPr lang="en-US" dirty="0"/>
+              <a:t>  ,col3=count(*)</a:t>
+            </a:r>
+          </a:p>
+          <a:p>
+            <a:r>
+              <a:rPr lang="en-US" dirty="0"/>
+              <a:t>  INTO </a:t>
+            </a:r>
+            <a:r>
+              <a:rPr lang="en-US" dirty="0" err="1"/>
+              <a:t>holdkey</a:t>
+            </a:r>
+            <a:endParaRPr lang="en-US" dirty="0"/>
+          </a:p>
+          <a:p>
+            <a:r>
+              <a:rPr lang="en-US" dirty="0"/>
+              <a:t>  FROM [</a:t>
+            </a:r>
+            <a:r>
+              <a:rPr lang="en-US" dirty="0" err="1"/>
+              <a:t>Opencellid</a:t>
+            </a:r>
+            <a:r>
+              <a:rPr lang="en-US" dirty="0"/>
+              <a:t>].[</a:t>
+            </a:r>
+            <a:r>
+              <a:rPr lang="en-US" dirty="0" err="1"/>
+              <a:t>dbo</a:t>
+            </a:r>
+            <a:r>
+              <a:rPr lang="en-US" dirty="0"/>
+              <a:t>].[cell_towers_2018-01-31-T10-00-01]</a:t>
+            </a:r>
+          </a:p>
+          <a:p>
+            <a:r>
+              <a:rPr lang="en-US" dirty="0"/>
+              <a:t>  GROUP BY [radio],[mcc],[net],[area],[cell],[unit],[</a:t>
+            </a:r>
+            <a:r>
+              <a:rPr lang="en-US" dirty="0" err="1"/>
+              <a:t>lon</a:t>
+            </a:r>
+            <a:r>
+              <a:rPr lang="en-US" dirty="0"/>
+              <a:t>],[</a:t>
+            </a:r>
+            <a:r>
+              <a:rPr lang="en-US" dirty="0" err="1"/>
+              <a:t>lat</a:t>
+            </a:r>
+            <a:r>
+              <a:rPr lang="en-US" dirty="0"/>
+              <a:t>],[range],[samples],[changeable],[created],[updated],[</a:t>
+            </a:r>
+            <a:r>
+              <a:rPr lang="en-US" dirty="0" err="1"/>
+              <a:t>averageSignal</a:t>
+            </a:r>
+            <a:r>
+              <a:rPr lang="en-US" dirty="0"/>
+              <a:t>]</a:t>
+            </a:r>
+          </a:p>
+          <a:p>
+            <a:r>
+              <a:rPr lang="en-US" dirty="0"/>
+              <a:t>  HAVING count(*) &gt; 1</a:t>
+            </a:r>
+          </a:p>
+          <a:p>
+            <a:endParaRPr lang="ar-SA" dirty="0"/>
+          </a:p>
+        </p:txBody>
+      </p:sp>
+    </p:spTree>
+    <p:extLst>
+      <p:ext uri="{BB962C8B-B14F-4D97-AF65-F5344CB8AC3E}">
+        <p14:creationId xmlns:p14="http://schemas.microsoft.com/office/powerpoint/2010/main" val="2075848895"/>
+      </p:ext>
+    </p:extLst>
+  </p:cSld>
+  <p:clrMapOvr>
+    <a:masterClrMapping/>
+  </p:clrMapOvr>
+</p:sld>
+</file>
+
+<file path=ppt/slides/slide4.xml><?xml version="1.0" encoding="utf-8"?>
+<p:sld xmlns:a="http://schemas.openxmlformats.org/drawingml/2006/main" xmlns:r="http://schemas.openxmlformats.org/officeDocument/2006/relationships" xmlns:p="http://schemas.openxmlformats.org/presentationml/2006/main">
+  <p:cSld>
+    <p:spTree>
+      <p:nvGrpSpPr>
+        <p:cNvPr id="1" name=""/>
+        <p:cNvGrpSpPr/>
+        <p:nvPr/>
+      </p:nvGrpSpPr>
+      <p:grpSpPr>
+        <a:xfrm>
+          <a:off x="0" y="0"/>
+          <a:ext cx="0" cy="0"/>
+          <a:chOff x="0" y="0"/>
+          <a:chExt cx="0" cy="0"/>
+        </a:xfrm>
+      </p:grpSpPr>
+      <p:sp>
+        <p:nvSpPr>
+          <p:cNvPr id="2" name="Title 1">
+            <a:extLst>
+              <a:ext uri="{FF2B5EF4-FFF2-40B4-BE49-F238E27FC236}">
+                <a16:creationId xmlns:a16="http://schemas.microsoft.com/office/drawing/2014/main" id="{80F3F39A-F711-46F3-8170-4917E556AF6C}"/>
+              </a:ext>
+            </a:extLst>
+          </p:cNvPr>
+          <p:cNvSpPr>
+            <a:spLocks noGrp="1"/>
+          </p:cNvSpPr>
+          <p:nvPr>
+            <p:ph type="title"/>
+          </p:nvPr>
+        </p:nvSpPr>
+        <p:spPr>
+          <a:xfrm>
+            <a:off x="838200" y="300683"/>
+            <a:ext cx="10515600" cy="908810"/>
+          </a:xfrm>
+        </p:spPr>
+        <p:txBody>
+          <a:bodyPr/>
+          <a:lstStyle/>
+          <a:p>
+            <a:r>
+              <a:rPr lang="en-US" dirty="0"/>
+              <a:t>Database</a:t>
+            </a:r>
+            <a:endParaRPr lang="ar-SA" dirty="0"/>
+          </a:p>
+        </p:txBody>
+      </p:sp>
+      <p:pic>
+        <p:nvPicPr>
+          <p:cNvPr id="4" name="Picture 3">
+            <a:extLst>
+              <a:ext uri="{FF2B5EF4-FFF2-40B4-BE49-F238E27FC236}">
+                <a16:creationId xmlns:a16="http://schemas.microsoft.com/office/drawing/2014/main" id="{B7BC433A-1EF2-499D-9834-536BDB9ED117}"/>
+              </a:ext>
+            </a:extLst>
+          </p:cNvPr>
+          <p:cNvPicPr>
+            <a:picLocks noChangeAspect="1"/>
+          </p:cNvPicPr>
+          <p:nvPr/>
+        </p:nvPicPr>
+        <p:blipFill>
+          <a:blip r:embed="rId2"/>
+          <a:stretch>
+            <a:fillRect/>
+          </a:stretch>
+        </p:blipFill>
+        <p:spPr>
+          <a:xfrm>
+            <a:off x="1083075" y="1209493"/>
+            <a:ext cx="10270725" cy="5648507"/>
+          </a:xfrm>
+          <a:prstGeom prst="rect">
+            <a:avLst/>
+          </a:prstGeom>
+        </p:spPr>
+      </p:pic>
+    </p:spTree>
+    <p:extLst>
+      <p:ext uri="{BB962C8B-B14F-4D97-AF65-F5344CB8AC3E}">
+        <p14:creationId xmlns:p14="http://schemas.microsoft.com/office/powerpoint/2010/main" val="77957783"/>
+      </p:ext>
+    </p:extLst>
+  </p:cSld>
+  <p:clrMapOvr>
+    <a:masterClrMapping/>
+  </p:clrMapOvr>
+</p:sld>
+</file>
+
+<file path=ppt/slides/slide5.xml><?xml version="1.0" encoding="utf-8"?>
+<p:sld xmlns:a="http://schemas.openxmlformats.org/drawingml/2006/main" xmlns:r="http://schemas.openxmlformats.org/officeDocument/2006/relationships" xmlns:p="http://schemas.openxmlformats.org/presentationml/2006/main">
+  <p:cSld>
+    <p:spTree>
+      <p:nvGrpSpPr>
+        <p:cNvPr id="1" name=""/>
+        <p:cNvGrpSpPr/>
+        <p:nvPr/>
+      </p:nvGrpSpPr>
+      <p:grpSpPr>
+        <a:xfrm>
+          <a:off x="0" y="0"/>
+          <a:ext cx="0" cy="0"/>
+          <a:chOff x="0" y="0"/>
+          <a:chExt cx="0" cy="0"/>
+        </a:xfrm>
+      </p:grpSpPr>
       <p:pic>
         <p:nvPicPr>
           <p:cNvPr id="4" name="Picture 3">
@@ -3457,6 +3862,170 @@
     <p:extLst>
       <p:ext uri="{BB962C8B-B14F-4D97-AF65-F5344CB8AC3E}">
         <p14:creationId xmlns:p14="http://schemas.microsoft.com/office/powerpoint/2010/main" val="2853507105"/>
+      </p:ext>
+    </p:extLst>
+  </p:cSld>
+  <p:clrMapOvr>
+    <a:masterClrMapping/>
+  </p:clrMapOvr>
+</p:sld>
+</file>
+
+<file path=ppt/slides/slide6.xml><?xml version="1.0" encoding="utf-8"?>
+<p:sld xmlns:a="http://schemas.openxmlformats.org/drawingml/2006/main" xmlns:r="http://schemas.openxmlformats.org/officeDocument/2006/relationships" xmlns:p="http://schemas.openxmlformats.org/presentationml/2006/main">
+  <p:cSld>
+    <p:spTree>
+      <p:nvGrpSpPr>
+        <p:cNvPr id="1" name=""/>
+        <p:cNvGrpSpPr/>
+        <p:nvPr/>
+      </p:nvGrpSpPr>
+      <p:grpSpPr>
+        <a:xfrm>
+          <a:off x="0" y="0"/>
+          <a:ext cx="0" cy="0"/>
+          <a:chOff x="0" y="0"/>
+          <a:chExt cx="0" cy="0"/>
+        </a:xfrm>
+      </p:grpSpPr>
+      <p:sp>
+        <p:nvSpPr>
+          <p:cNvPr id="2" name="Rectangle 1">
+            <a:extLst>
+              <a:ext uri="{FF2B5EF4-FFF2-40B4-BE49-F238E27FC236}">
+                <a16:creationId xmlns:a16="http://schemas.microsoft.com/office/drawing/2014/main" id="{239F3A9D-31A2-4DB2-8951-9A53A956C45C}"/>
+              </a:ext>
+            </a:extLst>
+          </p:cNvPr>
+          <p:cNvSpPr/>
+          <p:nvPr/>
+        </p:nvSpPr>
+        <p:spPr>
+          <a:xfrm>
+            <a:off x="862532" y="592435"/>
+            <a:ext cx="5526962" cy="923330"/>
+          </a:xfrm>
+          <a:prstGeom prst="rect">
+            <a:avLst/>
+          </a:prstGeom>
+        </p:spPr>
+        <p:txBody>
+          <a:bodyPr wrap="none">
+            <a:spAutoFit/>
+          </a:bodyPr>
+          <a:lstStyle/>
+          <a:p>
+            <a:pPr marL="342900" indent="-342900">
+              <a:buFont typeface="+mj-lt"/>
+              <a:buAutoNum type="arabicPeriod"/>
+            </a:pPr>
+            <a:r>
+              <a:rPr lang="en-US" dirty="0"/>
+              <a:t>Create A new Database in SQL, name “</a:t>
+            </a:r>
+            <a:r>
+              <a:rPr lang="en-US" dirty="0" err="1"/>
+              <a:t>Opencellid</a:t>
+            </a:r>
+            <a:r>
+              <a:rPr lang="en-US" dirty="0"/>
+              <a:t>”.</a:t>
+            </a:r>
+          </a:p>
+          <a:p>
+            <a:pPr marL="342900" indent="-342900">
+              <a:buFont typeface="+mj-lt"/>
+              <a:buAutoNum type="arabicPeriod"/>
+            </a:pPr>
+            <a:r>
+              <a:rPr lang="en-US" dirty="0"/>
+              <a:t>Import Data using Task-&gt; Import Data”</a:t>
+            </a:r>
+          </a:p>
+          <a:p>
+            <a:pPr marL="342900" indent="-342900">
+              <a:buFont typeface="+mj-lt"/>
+              <a:buAutoNum type="arabicPeriod"/>
+            </a:pPr>
+            <a:r>
+              <a:rPr lang="en-US" dirty="0"/>
+              <a:t>Choose “Flat File Source” and choose “Cell-</a:t>
+            </a:r>
+            <a:r>
+              <a:rPr lang="en-US" dirty="0" err="1"/>
+              <a:t>tower.csv</a:t>
+            </a:r>
+            <a:r>
+              <a:rPr lang="en-US" dirty="0"/>
+              <a:t>”</a:t>
+            </a:r>
+            <a:endParaRPr lang="ar-SA" dirty="0"/>
+          </a:p>
+        </p:txBody>
+      </p:sp>
+      <p:pic>
+        <p:nvPicPr>
+          <p:cNvPr id="5" name="Picture 4">
+            <a:extLst>
+              <a:ext uri="{FF2B5EF4-FFF2-40B4-BE49-F238E27FC236}">
+                <a16:creationId xmlns:a16="http://schemas.microsoft.com/office/drawing/2014/main" id="{6968BB04-2DDE-449D-9820-75F09F4D711F}"/>
+              </a:ext>
+            </a:extLst>
+          </p:cNvPr>
+          <p:cNvPicPr>
+            <a:picLocks noChangeAspect="1"/>
+          </p:cNvPicPr>
+          <p:nvPr/>
+        </p:nvPicPr>
+        <p:blipFill rotWithShape="1">
+          <a:blip r:embed="rId2"/>
+          <a:srcRect r="65312" b="32037"/>
+          <a:stretch/>
+        </p:blipFill>
+        <p:spPr>
+          <a:xfrm>
+            <a:off x="431800" y="1955800"/>
+            <a:ext cx="3491600" cy="3848100"/>
+          </a:xfrm>
+          <a:prstGeom prst="rect">
+            <a:avLst/>
+          </a:prstGeom>
+        </p:spPr>
+      </p:pic>
+      <p:pic>
+        <p:nvPicPr>
+          <p:cNvPr id="6" name="Picture 5">
+            <a:extLst>
+              <a:ext uri="{FF2B5EF4-FFF2-40B4-BE49-F238E27FC236}">
+                <a16:creationId xmlns:a16="http://schemas.microsoft.com/office/drawing/2014/main" id="{18771DC1-789D-4CC4-AC81-471A002B2BDA}"/>
+              </a:ext>
+            </a:extLst>
+          </p:cNvPr>
+          <p:cNvPicPr>
+            <a:picLocks noChangeAspect="1"/>
+          </p:cNvPicPr>
+          <p:nvPr/>
+        </p:nvPicPr>
+        <p:blipFill>
+          <a:blip r:embed="rId3"/>
+          <a:stretch>
+            <a:fillRect/>
+          </a:stretch>
+        </p:blipFill>
+        <p:spPr>
+          <a:xfrm>
+            <a:off x="4698579" y="1955800"/>
+            <a:ext cx="3707070" cy="3848100"/>
+          </a:xfrm>
+          <a:prstGeom prst="rect">
+            <a:avLst/>
+          </a:prstGeom>
+        </p:spPr>
+      </p:pic>
+    </p:spTree>
+    <p:extLst>
+      <p:ext uri="{BB962C8B-B14F-4D97-AF65-F5344CB8AC3E}">
+        <p14:creationId xmlns:p14="http://schemas.microsoft.com/office/powerpoint/2010/main" val="1876170052"/>
       </p:ext>
     </p:extLst>
   </p:cSld>
